--- a/Capstone_Project.pptx
+++ b/Capstone_Project.pptx
@@ -12,6 +12,7 @@
     <p:sldId id="260" r:id="rId6"/>
     <p:sldId id="261" r:id="rId7"/>
     <p:sldId id="262" r:id="rId8"/>
+    <p:sldId id="263" r:id="rId9"/>
   </p:sldIdLst>
   <p:sldSz cx="12192000" cy="6858000"/>
   <p:notesSz cx="6858000" cy="9144000"/>
@@ -6546,7 +6547,19 @@
           <a:bodyPr/>
           <a:lstStyle/>
           <a:p>
-            <a:endParaRPr lang="en-US"/>
+            <a:r>
+              <a:rPr lang="en-US" dirty="0" smtClean="0"/>
+              <a:t>Initial </a:t>
+            </a:r>
+            <a:r>
+              <a:rPr lang="en-US" dirty="0"/>
+              <a:t>A</a:t>
+            </a:r>
+            <a:r>
+              <a:rPr lang="en-US" dirty="0" smtClean="0"/>
+              <a:t>nalysis Continued</a:t>
+            </a:r>
+            <a:endParaRPr lang="en-US" dirty="0"/>
           </a:p>
         </p:txBody>
       </p:sp>
@@ -6560,19 +6573,173 @@
             <p:ph idx="1"/>
           </p:nvPr>
         </p:nvSpPr>
-        <p:spPr/>
+        <p:spPr>
+          <a:xfrm>
+            <a:off x="677334" y="1879107"/>
+            <a:ext cx="2692590" cy="3880773"/>
+          </a:xfrm>
+        </p:spPr>
         <p:txBody>
           <a:bodyPr/>
           <a:lstStyle/>
           <a:p>
-            <a:endParaRPr lang="en-US"/>
-          </a:p>
-        </p:txBody>
-      </p:sp>
+            <a:r>
+              <a:rPr lang="en-US" dirty="0" smtClean="0">
+                <a:solidFill>
+                  <a:schemeClr val="tx2"/>
+                </a:solidFill>
+              </a:rPr>
+              <a:t>When the HCAHPS data was aggregated to the county level the highest adjusted R squared value for any single attribute was 0.08</a:t>
+            </a:r>
+          </a:p>
+          <a:p>
+            <a:r>
+              <a:rPr lang="en-US" dirty="0" smtClean="0"/>
+              <a:t>When the data was summarized at the hospital level the adjusted R squared values were significantly higher.</a:t>
+            </a:r>
+            <a:endParaRPr lang="en-US" dirty="0"/>
+          </a:p>
+        </p:txBody>
+      </p:sp>
+      <p:pic>
+        <p:nvPicPr>
+          <p:cNvPr id="6" name="Picture 5"/>
+          <p:cNvPicPr>
+            <a:picLocks noChangeAspect="1"/>
+          </p:cNvPicPr>
+          <p:nvPr/>
+        </p:nvPicPr>
+        <p:blipFill>
+          <a:blip r:embed="rId2">
+            <a:extLst>
+              <a:ext uri="{28A0092B-C50C-407E-A947-70E740481C1C}">
+                <a14:useLocalDpi xmlns:a14="http://schemas.microsoft.com/office/drawing/2010/main" val="0"/>
+              </a:ext>
+            </a:extLst>
+          </a:blip>
+          <a:stretch>
+            <a:fillRect/>
+          </a:stretch>
+        </p:blipFill>
+        <p:spPr>
+          <a:xfrm>
+            <a:off x="3647670" y="1300822"/>
+            <a:ext cx="3009900" cy="5232400"/>
+          </a:xfrm>
+          <a:prstGeom prst="rect">
+            <a:avLst/>
+          </a:prstGeom>
+        </p:spPr>
+      </p:pic>
+      <p:pic>
+        <p:nvPicPr>
+          <p:cNvPr id="8" name="Picture 7"/>
+          <p:cNvPicPr>
+            <a:picLocks noChangeAspect="1"/>
+          </p:cNvPicPr>
+          <p:nvPr/>
+        </p:nvPicPr>
+        <p:blipFill>
+          <a:blip r:embed="rId3">
+            <a:extLst>
+              <a:ext uri="{28A0092B-C50C-407E-A947-70E740481C1C}">
+                <a14:useLocalDpi xmlns:a14="http://schemas.microsoft.com/office/drawing/2010/main" val="0"/>
+              </a:ext>
+            </a:extLst>
+          </a:blip>
+          <a:stretch>
+            <a:fillRect/>
+          </a:stretch>
+        </p:blipFill>
+        <p:spPr>
+          <a:xfrm>
+            <a:off x="6497722" y="1253654"/>
+            <a:ext cx="3064300" cy="4979488"/>
+          </a:xfrm>
+          <a:prstGeom prst="rect">
+            <a:avLst/>
+          </a:prstGeom>
+        </p:spPr>
+      </p:pic>
     </p:spTree>
     <p:extLst>
       <p:ext uri="{BB962C8B-B14F-4D97-AF65-F5344CB8AC3E}">
         <p14:creationId xmlns:p14="http://schemas.microsoft.com/office/powerpoint/2010/main" val="1377029175"/>
+      </p:ext>
+    </p:extLst>
+  </p:cSld>
+  <p:clrMapOvr>
+    <a:masterClrMapping/>
+  </p:clrMapOvr>
+  <p:timing>
+    <p:tnLst>
+      <p:par>
+        <p:cTn id="1" dur="indefinite" restart="never" nodeType="tmRoot"/>
+      </p:par>
+    </p:tnLst>
+  </p:timing>
+</p:sld>
+</file>
+
+<file path=ppt/slides/slide8.xml><?xml version="1.0" encoding="utf-8"?>
+<p:sld xmlns:a="http://schemas.openxmlformats.org/drawingml/2006/main" xmlns:r="http://schemas.openxmlformats.org/officeDocument/2006/relationships" xmlns:p="http://schemas.openxmlformats.org/presentationml/2006/main">
+  <p:cSld>
+    <p:spTree>
+      <p:nvGrpSpPr>
+        <p:cNvPr id="1" name=""/>
+        <p:cNvGrpSpPr/>
+        <p:nvPr/>
+      </p:nvGrpSpPr>
+      <p:grpSpPr>
+        <a:xfrm>
+          <a:off x="0" y="0"/>
+          <a:ext cx="0" cy="0"/>
+          <a:chOff x="0" y="0"/>
+          <a:chExt cx="0" cy="0"/>
+        </a:xfrm>
+      </p:grpSpPr>
+      <p:sp>
+        <p:nvSpPr>
+          <p:cNvPr id="2" name="Title 1"/>
+          <p:cNvSpPr>
+            <a:spLocks noGrp="1"/>
+          </p:cNvSpPr>
+          <p:nvPr>
+            <p:ph type="title"/>
+          </p:nvPr>
+        </p:nvSpPr>
+        <p:spPr/>
+        <p:txBody>
+          <a:bodyPr/>
+          <a:lstStyle/>
+          <a:p>
+            <a:endParaRPr lang="en-US"/>
+          </a:p>
+        </p:txBody>
+      </p:sp>
+      <p:sp>
+        <p:nvSpPr>
+          <p:cNvPr id="3" name="Content Placeholder 2"/>
+          <p:cNvSpPr>
+            <a:spLocks noGrp="1"/>
+          </p:cNvSpPr>
+          <p:nvPr>
+            <p:ph idx="1"/>
+          </p:nvPr>
+        </p:nvSpPr>
+        <p:spPr/>
+        <p:txBody>
+          <a:bodyPr/>
+          <a:lstStyle/>
+          <a:p>
+            <a:endParaRPr lang="en-US"/>
+          </a:p>
+        </p:txBody>
+      </p:sp>
+    </p:spTree>
+    <p:extLst>
+      <p:ext uri="{BB962C8B-B14F-4D97-AF65-F5344CB8AC3E}">
+        <p14:creationId xmlns:p14="http://schemas.microsoft.com/office/powerpoint/2010/main" val="1820943600"/>
       </p:ext>
     </p:extLst>
   </p:cSld>

--- a/Capstone_Project.pptx
+++ b/Capstone_Project.pptx
@@ -13,6 +13,8 @@
     <p:sldId id="261" r:id="rId7"/>
     <p:sldId id="262" r:id="rId8"/>
     <p:sldId id="263" r:id="rId9"/>
+    <p:sldId id="264" r:id="rId10"/>
+    <p:sldId id="265" r:id="rId11"/>
   </p:sldIdLst>
   <p:sldSz cx="12192000" cy="6858000"/>
   <p:notesSz cx="6858000" cy="9144000"/>
@@ -5861,6 +5863,121 @@
 </p:sld>
 </file>
 
+<file path=ppt/slides/slide10.xml><?xml version="1.0" encoding="utf-8"?>
+<p:sld xmlns:a="http://schemas.openxmlformats.org/drawingml/2006/main" xmlns:r="http://schemas.openxmlformats.org/officeDocument/2006/relationships" xmlns:p="http://schemas.openxmlformats.org/presentationml/2006/main">
+  <p:cSld>
+    <p:spTree>
+      <p:nvGrpSpPr>
+        <p:cNvPr id="1" name=""/>
+        <p:cNvGrpSpPr/>
+        <p:nvPr/>
+      </p:nvGrpSpPr>
+      <p:grpSpPr>
+        <a:xfrm>
+          <a:off x="0" y="0"/>
+          <a:ext cx="0" cy="0"/>
+          <a:chOff x="0" y="0"/>
+          <a:chExt cx="0" cy="0"/>
+        </a:xfrm>
+      </p:grpSpPr>
+      <p:sp>
+        <p:nvSpPr>
+          <p:cNvPr id="2" name="Title 1"/>
+          <p:cNvSpPr>
+            <a:spLocks noGrp="1"/>
+          </p:cNvSpPr>
+          <p:nvPr>
+            <p:ph type="title"/>
+          </p:nvPr>
+        </p:nvSpPr>
+        <p:spPr/>
+        <p:txBody>
+          <a:bodyPr/>
+          <a:lstStyle/>
+          <a:p>
+            <a:r>
+              <a:rPr lang="en-US" dirty="0" smtClean="0"/>
+              <a:t>Conclusions</a:t>
+            </a:r>
+            <a:br>
+              <a:rPr lang="en-US" dirty="0" smtClean="0"/>
+            </a:br>
+            <a:endParaRPr lang="en-US" dirty="0"/>
+          </a:p>
+        </p:txBody>
+      </p:sp>
+      <p:sp>
+        <p:nvSpPr>
+          <p:cNvPr id="3" name="Content Placeholder 2"/>
+          <p:cNvSpPr>
+            <a:spLocks noGrp="1"/>
+          </p:cNvSpPr>
+          <p:nvPr>
+            <p:ph idx="1"/>
+          </p:nvPr>
+        </p:nvSpPr>
+        <p:spPr/>
+        <p:txBody>
+          <a:bodyPr/>
+          <a:lstStyle/>
+          <a:p>
+            <a:r>
+              <a:rPr lang="en-US" dirty="0"/>
+              <a:t>Clearly there is not a strong correlation between any one of the HCAHPS factors and readmission rate and only a slight correlation using the best combination of factors</a:t>
+            </a:r>
+            <a:r>
+              <a:rPr lang="en-US" dirty="0" smtClean="0"/>
+              <a:t>.</a:t>
+            </a:r>
+          </a:p>
+          <a:p>
+            <a:r>
+              <a:rPr lang="en-US" dirty="0"/>
+              <a:t>That said, the analysis can still of use to those aiming to reduce readmission rate</a:t>
+            </a:r>
+            <a:r>
+              <a:rPr lang="en-US" dirty="0" smtClean="0"/>
+              <a:t>.</a:t>
+            </a:r>
+          </a:p>
+          <a:p>
+            <a:r>
+              <a:rPr lang="en-US" dirty="0"/>
+              <a:t>With limited resources focus is best applied to improve those metrics that measure how well patients feel they are educated upon discharge (H_COMP_6_LINEAR_SCORE, H_COMP_7_LINEAR_SCORE) and the responsiveness of the staff (H_COMP_3_LINEAR_SCORE</a:t>
+            </a:r>
+            <a:r>
+              <a:rPr lang="en-US" dirty="0" smtClean="0"/>
+              <a:t>).</a:t>
+            </a:r>
+          </a:p>
+          <a:p>
+            <a:r>
+              <a:rPr lang="en-US"/>
+              <a:t>While the analysis of the HCAHPS data is not necessarily predictive, it does offer guidance as to which secondary factors focus may be best applied to improve patient outcomes.</a:t>
+            </a:r>
+          </a:p>
+        </p:txBody>
+      </p:sp>
+    </p:spTree>
+    <p:extLst>
+      <p:ext uri="{BB962C8B-B14F-4D97-AF65-F5344CB8AC3E}">
+        <p14:creationId xmlns:p14="http://schemas.microsoft.com/office/powerpoint/2010/main" val="930920368"/>
+      </p:ext>
+    </p:extLst>
+  </p:cSld>
+  <p:clrMapOvr>
+    <a:masterClrMapping/>
+  </p:clrMapOvr>
+  <p:timing>
+    <p:tnLst>
+      <p:par>
+        <p:cTn id="1" dur="indefinite" restart="never" nodeType="tmRoot"/>
+      </p:par>
+    </p:tnLst>
+  </p:timing>
+</p:sld>
+</file>
+
 <file path=ppt/slides/slide2.xml><?xml version="1.0" encoding="utf-8"?>
 <p:sld xmlns:a="http://schemas.openxmlformats.org/drawingml/2006/main" xmlns:r="http://schemas.openxmlformats.org/officeDocument/2006/relationships" xmlns:p="http://schemas.openxmlformats.org/presentationml/2006/main">
   <p:cSld>
@@ -6713,13 +6830,17 @@
           <a:bodyPr/>
           <a:lstStyle/>
           <a:p>
-            <a:endParaRPr lang="en-US"/>
-          </a:p>
-        </p:txBody>
-      </p:sp>
-      <p:sp>
-        <p:nvSpPr>
-          <p:cNvPr id="3" name="Content Placeholder 2"/>
+            <a:r>
+              <a:rPr lang="en-US" dirty="0" smtClean="0"/>
+              <a:t>Creating the Model	</a:t>
+            </a:r>
+            <a:endParaRPr lang="en-US" dirty="0"/>
+          </a:p>
+        </p:txBody>
+      </p:sp>
+      <p:sp>
+        <p:nvSpPr>
+          <p:cNvPr id="6" name="Content Placeholder 5"/>
           <p:cNvSpPr>
             <a:spLocks noGrp="1"/>
           </p:cNvSpPr>
@@ -6727,19 +6848,302 @@
             <p:ph idx="1"/>
           </p:nvPr>
         </p:nvSpPr>
-        <p:spPr/>
+        <p:spPr>
+          <a:xfrm>
+            <a:off x="677334" y="1934944"/>
+            <a:ext cx="2313001" cy="3880773"/>
+          </a:xfrm>
+        </p:spPr>
         <p:txBody>
           <a:bodyPr/>
           <a:lstStyle/>
           <a:p>
-            <a:endParaRPr lang="en-US"/>
-          </a:p>
-        </p:txBody>
-      </p:sp>
+            <a:r>
+              <a:rPr lang="en-US" dirty="0" smtClean="0"/>
+              <a:t>The adjusted R squared for the regression with all variables is .1586.  By eliminating 5 of the variables the adjusted R squared only drops to .1553</a:t>
+            </a:r>
+            <a:endParaRPr lang="en-US" dirty="0"/>
+          </a:p>
+        </p:txBody>
+      </p:sp>
+      <p:pic>
+        <p:nvPicPr>
+          <p:cNvPr id="7" name="Content Placeholder 3"/>
+          <p:cNvPicPr>
+            <a:picLocks noChangeAspect="1"/>
+          </p:cNvPicPr>
+          <p:nvPr/>
+        </p:nvPicPr>
+        <p:blipFill>
+          <a:blip r:embed="rId2">
+            <a:extLst>
+              <a:ext uri="{28A0092B-C50C-407E-A947-70E740481C1C}">
+                <a14:useLocalDpi xmlns:a14="http://schemas.microsoft.com/office/drawing/2010/main" val="0"/>
+              </a:ext>
+            </a:extLst>
+          </a:blip>
+          <a:stretch>
+            <a:fillRect/>
+          </a:stretch>
+        </p:blipFill>
+        <p:spPr>
+          <a:xfrm>
+            <a:off x="2990335" y="1930400"/>
+            <a:ext cx="4434174" cy="3885317"/>
+          </a:xfrm>
+          <a:prstGeom prst="rect">
+            <a:avLst/>
+          </a:prstGeom>
+        </p:spPr>
+      </p:pic>
+      <p:pic>
+        <p:nvPicPr>
+          <p:cNvPr id="8" name="Picture 7"/>
+          <p:cNvPicPr>
+            <a:picLocks noChangeAspect="1"/>
+          </p:cNvPicPr>
+          <p:nvPr/>
+        </p:nvPicPr>
+        <p:blipFill>
+          <a:blip r:embed="rId3">
+            <a:extLst>
+              <a:ext uri="{28A0092B-C50C-407E-A947-70E740481C1C}">
+                <a14:useLocalDpi xmlns:a14="http://schemas.microsoft.com/office/drawing/2010/main" val="0"/>
+              </a:ext>
+            </a:extLst>
+          </a:blip>
+          <a:stretch>
+            <a:fillRect/>
+          </a:stretch>
+        </p:blipFill>
+        <p:spPr>
+          <a:xfrm>
+            <a:off x="7721128" y="1930400"/>
+            <a:ext cx="4032764" cy="3238748"/>
+          </a:xfrm>
+          <a:prstGeom prst="rect">
+            <a:avLst/>
+          </a:prstGeom>
+        </p:spPr>
+      </p:pic>
     </p:spTree>
     <p:extLst>
       <p:ext uri="{BB962C8B-B14F-4D97-AF65-F5344CB8AC3E}">
         <p14:creationId xmlns:p14="http://schemas.microsoft.com/office/powerpoint/2010/main" val="1820943600"/>
+      </p:ext>
+    </p:extLst>
+  </p:cSld>
+  <p:clrMapOvr>
+    <a:masterClrMapping/>
+  </p:clrMapOvr>
+  <p:timing>
+    <p:tnLst>
+      <p:par>
+        <p:cTn id="1" dur="indefinite" restart="never" nodeType="tmRoot"/>
+      </p:par>
+    </p:tnLst>
+  </p:timing>
+</p:sld>
+</file>
+
+<file path=ppt/slides/slide9.xml><?xml version="1.0" encoding="utf-8"?>
+<p:sld xmlns:a="http://schemas.openxmlformats.org/drawingml/2006/main" xmlns:r="http://schemas.openxmlformats.org/officeDocument/2006/relationships" xmlns:p="http://schemas.openxmlformats.org/presentationml/2006/main">
+  <p:cSld>
+    <p:spTree>
+      <p:nvGrpSpPr>
+        <p:cNvPr id="1" name=""/>
+        <p:cNvGrpSpPr/>
+        <p:nvPr/>
+      </p:nvGrpSpPr>
+      <p:grpSpPr>
+        <a:xfrm>
+          <a:off x="0" y="0"/>
+          <a:ext cx="0" cy="0"/>
+          <a:chOff x="0" y="0"/>
+          <a:chExt cx="0" cy="0"/>
+        </a:xfrm>
+      </p:grpSpPr>
+      <p:sp>
+        <p:nvSpPr>
+          <p:cNvPr id="2" name="Title 1"/>
+          <p:cNvSpPr>
+            <a:spLocks noGrp="1"/>
+          </p:cNvSpPr>
+          <p:nvPr>
+            <p:ph type="title"/>
+          </p:nvPr>
+        </p:nvSpPr>
+        <p:spPr/>
+        <p:txBody>
+          <a:bodyPr/>
+          <a:lstStyle/>
+          <a:p>
+            <a:r>
+              <a:rPr lang="en-US" dirty="0" smtClean="0"/>
+              <a:t>Testing the Model</a:t>
+            </a:r>
+            <a:endParaRPr lang="en-US" dirty="0"/>
+          </a:p>
+        </p:txBody>
+      </p:sp>
+      <p:sp>
+        <p:nvSpPr>
+          <p:cNvPr id="3" name="Content Placeholder 2"/>
+          <p:cNvSpPr>
+            <a:spLocks noGrp="1"/>
+          </p:cNvSpPr>
+          <p:nvPr>
+            <p:ph idx="1"/>
+          </p:nvPr>
+        </p:nvSpPr>
+        <p:spPr>
+          <a:xfrm>
+            <a:off x="677334" y="1604535"/>
+            <a:ext cx="8596668" cy="3880773"/>
+          </a:xfrm>
+        </p:spPr>
+        <p:txBody>
+          <a:bodyPr/>
+          <a:lstStyle/>
+          <a:p>
+            <a:r>
+              <a:rPr lang="en-US" dirty="0" smtClean="0"/>
+              <a:t>The training and test sets were create by randomly assigning half of the data to each set.  The adjusted R squared deferred between the two sets by just .00063.</a:t>
+            </a:r>
+            <a:endParaRPr lang="en-US" dirty="0"/>
+          </a:p>
+        </p:txBody>
+      </p:sp>
+      <p:pic>
+        <p:nvPicPr>
+          <p:cNvPr id="4" name="Picture 3"/>
+          <p:cNvPicPr>
+            <a:picLocks noChangeAspect="1"/>
+          </p:cNvPicPr>
+          <p:nvPr/>
+        </p:nvPicPr>
+        <p:blipFill>
+          <a:blip r:embed="rId2">
+            <a:extLst>
+              <a:ext uri="{28A0092B-C50C-407E-A947-70E740481C1C}">
+                <a14:useLocalDpi xmlns:a14="http://schemas.microsoft.com/office/drawing/2010/main" val="0"/>
+              </a:ext>
+            </a:extLst>
+          </a:blip>
+          <a:stretch>
+            <a:fillRect/>
+          </a:stretch>
+        </p:blipFill>
+        <p:spPr>
+          <a:xfrm>
+            <a:off x="5170285" y="2908695"/>
+            <a:ext cx="4519896" cy="3199628"/>
+          </a:xfrm>
+          <a:prstGeom prst="rect">
+            <a:avLst/>
+          </a:prstGeom>
+        </p:spPr>
+      </p:pic>
+      <p:pic>
+        <p:nvPicPr>
+          <p:cNvPr id="5" name="Picture 4"/>
+          <p:cNvPicPr>
+            <a:picLocks noChangeAspect="1"/>
+          </p:cNvPicPr>
+          <p:nvPr/>
+        </p:nvPicPr>
+        <p:blipFill>
+          <a:blip r:embed="rId3">
+            <a:extLst>
+              <a:ext uri="{28A0092B-C50C-407E-A947-70E740481C1C}">
+                <a14:useLocalDpi xmlns:a14="http://schemas.microsoft.com/office/drawing/2010/main" val="0"/>
+              </a:ext>
+            </a:extLst>
+          </a:blip>
+          <a:stretch>
+            <a:fillRect/>
+          </a:stretch>
+        </p:blipFill>
+        <p:spPr>
+          <a:xfrm>
+            <a:off x="467269" y="2908695"/>
+            <a:ext cx="4492951" cy="3213100"/>
+          </a:xfrm>
+          <a:prstGeom prst="rect">
+            <a:avLst/>
+          </a:prstGeom>
+        </p:spPr>
+      </p:pic>
+      <p:sp>
+        <p:nvSpPr>
+          <p:cNvPr id="6" name="TextBox 5"/>
+          <p:cNvSpPr txBox="1"/>
+          <p:nvPr/>
+        </p:nvSpPr>
+        <p:spPr>
+          <a:xfrm>
+            <a:off x="2044557" y="5959011"/>
+            <a:ext cx="1726060" cy="230832"/>
+          </a:xfrm>
+          <a:prstGeom prst="rect">
+            <a:avLst/>
+          </a:prstGeom>
+          <a:solidFill>
+            <a:schemeClr val="bg1"/>
+          </a:solidFill>
+        </p:spPr>
+        <p:txBody>
+          <a:bodyPr wrap="square" rtlCol="0">
+            <a:spAutoFit/>
+          </a:bodyPr>
+          <a:lstStyle/>
+          <a:p>
+            <a:pPr algn="ctr"/>
+            <a:r>
+              <a:rPr lang="en-US" sz="900" dirty="0" smtClean="0"/>
+              <a:t>HCAHPS Combined</a:t>
+            </a:r>
+            <a:endParaRPr lang="en-US" sz="900" dirty="0"/>
+          </a:p>
+        </p:txBody>
+      </p:sp>
+      <p:sp>
+        <p:nvSpPr>
+          <p:cNvPr id="8" name="TextBox 7"/>
+          <p:cNvSpPr txBox="1"/>
+          <p:nvPr/>
+        </p:nvSpPr>
+        <p:spPr>
+          <a:xfrm>
+            <a:off x="6904234" y="5959010"/>
+            <a:ext cx="1654140" cy="230832"/>
+          </a:xfrm>
+          <a:prstGeom prst="rect">
+            <a:avLst/>
+          </a:prstGeom>
+          <a:solidFill>
+            <a:schemeClr val="bg1"/>
+          </a:solidFill>
+        </p:spPr>
+        <p:txBody>
+          <a:bodyPr wrap="square" rtlCol="0">
+            <a:spAutoFit/>
+          </a:bodyPr>
+          <a:lstStyle/>
+          <a:p>
+            <a:pPr algn="ctr"/>
+            <a:r>
+              <a:rPr lang="en-US" sz="900" dirty="0" smtClean="0"/>
+              <a:t>HCAHPS Combined</a:t>
+            </a:r>
+            <a:endParaRPr lang="en-US" sz="900" dirty="0"/>
+          </a:p>
+        </p:txBody>
+      </p:sp>
+    </p:spTree>
+    <p:extLst>
+      <p:ext uri="{BB962C8B-B14F-4D97-AF65-F5344CB8AC3E}">
+        <p14:creationId xmlns:p14="http://schemas.microsoft.com/office/powerpoint/2010/main" val="389627920"/>
       </p:ext>
     </p:extLst>
   </p:cSld>
